--- a/CMPE 297 Short Story Presentation.pptx
+++ b/CMPE 297 Short Story Presentation.pptx
@@ -223,7 +223,7 @@
           <a:p>
             <a:fld id="{B56F32FC-4BD9-442A-A8C6-51598C909FE3}" type="datetimeFigureOut">
               <a:rPr lang="en-US" smtClean="0"/>
-              <a:t>12/8/2022</a:t>
+              <a:t>12/9/2022</a:t>
             </a:fld>
             <a:endParaRPr lang="en-US" dirty="0"/>
           </a:p>
@@ -400,7 +400,7 @@
           <a:p>
             <a:fld id="{056371FA-A98D-41E8-93F4-09945841298A}" type="datetimeFigureOut">
               <a:rPr lang="en-US" smtClean="0"/>
-              <a:t>12/8/2022</a:t>
+              <a:t>12/9/2022</a:t>
             </a:fld>
             <a:endParaRPr lang="en-US" dirty="0"/>
           </a:p>
@@ -9525,8 +9525,8 @@
         </p:nvSpPr>
         <p:spPr>
           <a:xfrm>
-            <a:off x="6416040" y="4434840"/>
-            <a:ext cx="4941771" cy="1122202"/>
+            <a:off x="6416040" y="4081148"/>
+            <a:ext cx="4941771" cy="1708942"/>
           </a:xfrm>
         </p:spPr>
         <p:txBody>
@@ -9566,7 +9566,7 @@
         </p:nvSpPr>
         <p:spPr>
           <a:xfrm>
-            <a:off x="6416041" y="5586890"/>
+            <a:off x="6416041" y="5790090"/>
             <a:ext cx="4941770" cy="396660"/>
           </a:xfrm>
         </p:spPr>
@@ -9840,7 +9840,7 @@
             <a:pPr algn="just"/>
             <a:r>
               <a:rPr lang="en-US" sz="1400" dirty="0"/>
-              <a:t>Annual revenue growth</a:t>
+              <a:t>Generative adversarial networks (GANs) are an exciting recent innovation in machine learning. GANs are generative models: they create new data instances that resemble your training data. For example, GANs can create images that look like photographs of human faces, even though the faces don't belong to any real person</a:t>
             </a:r>
           </a:p>
         </p:txBody>
@@ -9926,18 +9926,20 @@
         </p:nvSpPr>
         <p:spPr>
           <a:xfrm>
-            <a:off x="625475" y="4625974"/>
-            <a:ext cx="5111750" cy="1525588"/>
-          </a:xfrm>
-        </p:spPr>
-        <p:txBody>
-          <a:bodyPr/>
+            <a:off x="625474" y="4625974"/>
+            <a:ext cx="6702425" cy="1525588"/>
+          </a:xfrm>
+        </p:spPr>
+        <p:txBody>
+          <a:bodyPr>
+            <a:normAutofit/>
+          </a:bodyPr>
           <a:lstStyle/>
           <a:p>
             <a:pPr algn="just"/>
             <a:r>
               <a:rPr lang="en-US" dirty="0"/>
-              <a:t>At Contoso, we empower organizations to foster collaborative thinking to further drive workplace innovation. By closing the loop and leveraging agile frameworks, we help business grow organically and foster a consumer-first mindset.​</a:t>
+              <a:t>A generative adversarial network (GAN) has two parts: The generator learns to generate plausible data. The discriminator learns to distinguish the generator's fake data from real data. Both the generator and the discriminator are neural networks. The generator output is connected directly to the discriminator input. Through backpropagation, the discriminator's classification provides a signal that the generator uses to update its weights.</a:t>
             </a:r>
           </a:p>
         </p:txBody>
@@ -10152,8 +10154,8 @@
         </p:nvSpPr>
         <p:spPr>
           <a:xfrm>
-            <a:off x="5204038" y="4594129"/>
-            <a:ext cx="6003711" cy="1525588"/>
+            <a:off x="5204039" y="4834587"/>
+            <a:ext cx="6003711" cy="1044671"/>
           </a:xfrm>
           <a:prstGeom prst="rect">
             <a:avLst/>
@@ -10161,7 +10163,7 @@
         </p:spPr>
         <p:txBody>
           <a:bodyPr vert="horz" lIns="91440" tIns="45720" rIns="91440" bIns="45720" rtlCol="0" anchor="b">
-            <a:normAutofit/>
+            <a:normAutofit lnSpcReduction="10000"/>
           </a:bodyPr>
           <a:lstStyle>
             <a:lvl1pPr marL="0" indent="0" algn="l" defTabSz="914400" rtl="0" eaLnBrk="1" latinLnBrk="0" hangingPunct="1">
@@ -10337,7 +10339,7 @@
                   <a:schemeClr val="tx1"/>
                 </a:solidFill>
               </a:rPr>
-              <a:t>At Contoso, we empower organizations to foster collaborative thinking to further drive workplace innovation. By closing the loop and leveraging agile frameworks, we help business grow organically and foster a consumer-first mindset.​</a:t>
+              <a:t>The generator part of GAN creates fake data, based on feedback received from discriminator. It’s goal is to achieve higher level of accuracy in fake data generated, such that discriminator is not able to distinguish between fake and real. Generator training needs more tighter integration between both as compared to discriminator training.</a:t>
             </a:r>
           </a:p>
         </p:txBody>
@@ -10431,10 +10433,16 @@
           <a:bodyPr/>
           <a:lstStyle/>
           <a:p>
-            <a:pPr algn="just"/>
-            <a:r>
-              <a:rPr lang="en-US" dirty="0"/>
-              <a:t>At Contoso, we empower organizations to foster collaborative thinking to further drive workplace innovation. By closing the loop and leveraging agile frameworks, we help business grow organically and foster a consumer-first mindset.​</a:t>
+            <a:pPr algn="l"/>
+            <a:r>
+              <a:rPr lang="en-US" b="0" i="0" dirty="0">
+                <a:solidFill>
+                  <a:srgbClr val="292929"/>
+                </a:solidFill>
+                <a:effectLst/>
+                <a:latin typeface="source-serif-pro"/>
+              </a:rPr>
+              <a:t>The discriminator works as a simple classifier. It tries to distinguish real data from the data created by the generator. It can utilize can kind of network architecture, depending on the type of data being fed.</a:t>
             </a:r>
           </a:p>
         </p:txBody>
@@ -10797,7 +10805,7 @@
             </a:pPr>
             <a:r>
               <a:rPr lang="en-US" sz="1400" dirty="0"/>
-              <a:t>At Contoso, we empower organizations to foster collaborative thinking to further drive workplace innovation. By closing the loop and leveraging agile frameworks, we help business grow organically and foster a consumer-first mindset.​</a:t>
+              <a:t>The training of both the models (the generator and the discriminator) is done simultaneously. The training is performed until the generator is able to fool the discriminator over a set threshold number of times. This way, we can be confident that the generator is able to generate realistic-looking data.</a:t>
             </a:r>
           </a:p>
         </p:txBody>
@@ -11891,12 +11899,22 @@
 </file>
 
 <file path=customXml/item1.xml><?xml version="1.0" encoding="utf-8"?>
-<?mso-contentType ?>
-<FormTemplates xmlns="http://schemas.microsoft.com/sharepoint/v3/contenttype/forms">
-  <Display>DocumentLibraryForm</Display>
-  <Edit>DocumentLibraryForm</Edit>
-  <New>DocumentLibraryForm</New>
-</FormTemplates>
+<p:properties xmlns:p="http://schemas.microsoft.com/office/2006/metadata/properties" xmlns:xsi="http://www.w3.org/2001/XMLSchema-instance" xmlns:pc="http://schemas.microsoft.com/office/infopath/2007/PartnerControls">
+  <documentManagement>
+    <_ip_UnifiedCompliancePolicyUIAction xmlns="http://schemas.microsoft.com/sharepoint/v3" xsi:nil="true"/>
+    <Image xmlns="71af3243-3dd4-4a8d-8c0d-dd76da1f02a5">
+      <Url xsi:nil="true"/>
+      <Description xsi:nil="true"/>
+    </Image>
+    <Status xmlns="71af3243-3dd4-4a8d-8c0d-dd76da1f02a5">Not started</Status>
+    <_ip_UnifiedCompliancePolicyProperties xmlns="http://schemas.microsoft.com/sharepoint/v3" xsi:nil="true"/>
+    <ImageTagsTaxHTField xmlns="71af3243-3dd4-4a8d-8c0d-dd76da1f02a5">
+      <Terms xmlns="http://schemas.microsoft.com/office/infopath/2007/PartnerControls"/>
+    </ImageTagsTaxHTField>
+    <TaxCatchAll xmlns="230e9df3-be65-4c73-a93b-d1236ebd677e"/>
+    <MediaServiceKeyPoints xmlns="71af3243-3dd4-4a8d-8c0d-dd76da1f02a5" xsi:nil="true"/>
+  </documentManagement>
+</p:properties>
 </file>
 
 <file path=customXml/item2.xml><?xml version="1.0" encoding="utf-8"?>
@@ -12176,28 +12194,22 @@
 </file>
 
 <file path=customXml/item3.xml><?xml version="1.0" encoding="utf-8"?>
-<p:properties xmlns:p="http://schemas.microsoft.com/office/2006/metadata/properties" xmlns:xsi="http://www.w3.org/2001/XMLSchema-instance" xmlns:pc="http://schemas.microsoft.com/office/infopath/2007/PartnerControls">
-  <documentManagement>
-    <_ip_UnifiedCompliancePolicyUIAction xmlns="http://schemas.microsoft.com/sharepoint/v3" xsi:nil="true"/>
-    <Image xmlns="71af3243-3dd4-4a8d-8c0d-dd76da1f02a5">
-      <Url xsi:nil="true"/>
-      <Description xsi:nil="true"/>
-    </Image>
-    <Status xmlns="71af3243-3dd4-4a8d-8c0d-dd76da1f02a5">Not started</Status>
-    <_ip_UnifiedCompliancePolicyProperties xmlns="http://schemas.microsoft.com/sharepoint/v3" xsi:nil="true"/>
-    <ImageTagsTaxHTField xmlns="71af3243-3dd4-4a8d-8c0d-dd76da1f02a5">
-      <Terms xmlns="http://schemas.microsoft.com/office/infopath/2007/PartnerControls"/>
-    </ImageTagsTaxHTField>
-    <TaxCatchAll xmlns="230e9df3-be65-4c73-a93b-d1236ebd677e"/>
-    <MediaServiceKeyPoints xmlns="71af3243-3dd4-4a8d-8c0d-dd76da1f02a5" xsi:nil="true"/>
-  </documentManagement>
-</p:properties>
+<?mso-contentType ?>
+<FormTemplates xmlns="http://schemas.microsoft.com/sharepoint/v3/contenttype/forms">
+  <Display>DocumentLibraryForm</Display>
+  <Edit>DocumentLibraryForm</Edit>
+  <New>DocumentLibraryForm</New>
+</FormTemplates>
 </file>
 
 <file path=customXml/itemProps1.xml><?xml version="1.0" encoding="utf-8"?>
-<ds:datastoreItem xmlns:ds="http://schemas.openxmlformats.org/officeDocument/2006/customXml" ds:itemID="{0FD6FE22-81A0-4500-AFD0-342D21BB9A2C}">
+<ds:datastoreItem xmlns:ds="http://schemas.openxmlformats.org/officeDocument/2006/customXml" ds:itemID="{29C43685-694E-4579-B109-3C418D49DA65}">
   <ds:schemaRefs>
-    <ds:schemaRef ds:uri="http://schemas.microsoft.com/sharepoint/v3/contenttype/forms"/>
+    <ds:schemaRef ds:uri="http://schemas.microsoft.com/office/2006/metadata/properties"/>
+    <ds:schemaRef ds:uri="http://schemas.microsoft.com/office/infopath/2007/PartnerControls"/>
+    <ds:schemaRef ds:uri="http://schemas.microsoft.com/sharepoint/v3"/>
+    <ds:schemaRef ds:uri="71af3243-3dd4-4a8d-8c0d-dd76da1f02a5"/>
+    <ds:schemaRef ds:uri="230e9df3-be65-4c73-a93b-d1236ebd677e"/>
   </ds:schemaRefs>
 </ds:datastoreItem>
 </file>
@@ -12224,13 +12236,9 @@
 </file>
 
 <file path=customXml/itemProps3.xml><?xml version="1.0" encoding="utf-8"?>
-<ds:datastoreItem xmlns:ds="http://schemas.openxmlformats.org/officeDocument/2006/customXml" ds:itemID="{29C43685-694E-4579-B109-3C418D49DA65}">
+<ds:datastoreItem xmlns:ds="http://schemas.openxmlformats.org/officeDocument/2006/customXml" ds:itemID="{0FD6FE22-81A0-4500-AFD0-342D21BB9A2C}">
   <ds:schemaRefs>
-    <ds:schemaRef ds:uri="http://schemas.microsoft.com/office/2006/metadata/properties"/>
-    <ds:schemaRef ds:uri="http://schemas.microsoft.com/office/infopath/2007/PartnerControls"/>
-    <ds:schemaRef ds:uri="http://schemas.microsoft.com/sharepoint/v3"/>
-    <ds:schemaRef ds:uri="71af3243-3dd4-4a8d-8c0d-dd76da1f02a5"/>
-    <ds:schemaRef ds:uri="230e9df3-be65-4c73-a93b-d1236ebd677e"/>
+    <ds:schemaRef ds:uri="http://schemas.microsoft.com/sharepoint/v3/contenttype/forms"/>
   </ds:schemaRefs>
 </ds:datastoreItem>
 </file>
